--- a/מצגת לקדם פרוייקט.pptx
+++ b/מצגת לקדם פרוייקט.pptx
@@ -206,7 +206,7 @@
           <a:p>
             <a:fld id="{4B3E2C33-061D-4846-A3BE-9BE4BED57672}" type="datetimeFigureOut">
               <a:rPr lang="he-IL" smtClean="0"/>
-              <a:t>כ"ח/חשון/תשפ"ב</a:t>
+              <a:t>י"ד/כסלו/תשפ"ב</a:t>
             </a:fld>
             <a:endParaRPr lang="he-IL"/>
           </a:p>
@@ -704,7 +704,7 @@
           <a:p>
             <a:fld id="{C822B1E8-8720-4CAD-8DAB-71DD4B63BD33}" type="datetimeFigureOut">
               <a:rPr lang="he-IL" smtClean="0"/>
-              <a:t>כ"ח/חשון/תשפ"ב</a:t>
+              <a:t>י"ד/כסלו/תשפ"ב</a:t>
             </a:fld>
             <a:endParaRPr lang="he-IL"/>
           </a:p>
@@ -902,7 +902,7 @@
           <a:p>
             <a:fld id="{C822B1E8-8720-4CAD-8DAB-71DD4B63BD33}" type="datetimeFigureOut">
               <a:rPr lang="he-IL" smtClean="0"/>
-              <a:t>כ"ח/חשון/תשפ"ב</a:t>
+              <a:t>י"ד/כסלו/תשפ"ב</a:t>
             </a:fld>
             <a:endParaRPr lang="he-IL"/>
           </a:p>
@@ -1110,7 +1110,7 @@
           <a:p>
             <a:fld id="{C822B1E8-8720-4CAD-8DAB-71DD4B63BD33}" type="datetimeFigureOut">
               <a:rPr lang="he-IL" smtClean="0"/>
-              <a:t>כ"ח/חשון/תשפ"ב</a:t>
+              <a:t>י"ד/כסלו/תשפ"ב</a:t>
             </a:fld>
             <a:endParaRPr lang="he-IL"/>
           </a:p>
@@ -1308,7 +1308,7 @@
           <a:p>
             <a:fld id="{C822B1E8-8720-4CAD-8DAB-71DD4B63BD33}" type="datetimeFigureOut">
               <a:rPr lang="he-IL" smtClean="0"/>
-              <a:t>כ"ח/חשון/תשפ"ב</a:t>
+              <a:t>י"ד/כסלו/תשפ"ב</a:t>
             </a:fld>
             <a:endParaRPr lang="he-IL"/>
           </a:p>
@@ -1583,7 +1583,7 @@
           <a:p>
             <a:fld id="{C822B1E8-8720-4CAD-8DAB-71DD4B63BD33}" type="datetimeFigureOut">
               <a:rPr lang="he-IL" smtClean="0"/>
-              <a:t>כ"ח/חשון/תשפ"ב</a:t>
+              <a:t>י"ד/כסלו/תשפ"ב</a:t>
             </a:fld>
             <a:endParaRPr lang="he-IL"/>
           </a:p>
@@ -1848,7 +1848,7 @@
           <a:p>
             <a:fld id="{C822B1E8-8720-4CAD-8DAB-71DD4B63BD33}" type="datetimeFigureOut">
               <a:rPr lang="he-IL" smtClean="0"/>
-              <a:t>כ"ח/חשון/תשפ"ב</a:t>
+              <a:t>י"ד/כסלו/תשפ"ב</a:t>
             </a:fld>
             <a:endParaRPr lang="he-IL"/>
           </a:p>
@@ -2260,7 +2260,7 @@
           <a:p>
             <a:fld id="{C822B1E8-8720-4CAD-8DAB-71DD4B63BD33}" type="datetimeFigureOut">
               <a:rPr lang="he-IL" smtClean="0"/>
-              <a:t>כ"ח/חשון/תשפ"ב</a:t>
+              <a:t>י"ד/כסלו/תשפ"ב</a:t>
             </a:fld>
             <a:endParaRPr lang="he-IL"/>
           </a:p>
@@ -2401,7 +2401,7 @@
           <a:p>
             <a:fld id="{C822B1E8-8720-4CAD-8DAB-71DD4B63BD33}" type="datetimeFigureOut">
               <a:rPr lang="he-IL" smtClean="0"/>
-              <a:t>כ"ח/חשון/תשפ"ב</a:t>
+              <a:t>י"ד/כסלו/תשפ"ב</a:t>
             </a:fld>
             <a:endParaRPr lang="he-IL"/>
           </a:p>
@@ -2514,7 +2514,7 @@
           <a:p>
             <a:fld id="{C822B1E8-8720-4CAD-8DAB-71DD4B63BD33}" type="datetimeFigureOut">
               <a:rPr lang="he-IL" smtClean="0"/>
-              <a:t>כ"ח/חשון/תשפ"ב</a:t>
+              <a:t>י"ד/כסלו/תשפ"ב</a:t>
             </a:fld>
             <a:endParaRPr lang="he-IL"/>
           </a:p>
@@ -2825,7 +2825,7 @@
           <a:p>
             <a:fld id="{C822B1E8-8720-4CAD-8DAB-71DD4B63BD33}" type="datetimeFigureOut">
               <a:rPr lang="he-IL" smtClean="0"/>
-              <a:t>כ"ח/חשון/תשפ"ב</a:t>
+              <a:t>י"ד/כסלו/תשפ"ב</a:t>
             </a:fld>
             <a:endParaRPr lang="he-IL"/>
           </a:p>
@@ -3113,7 +3113,7 @@
           <a:p>
             <a:fld id="{C822B1E8-8720-4CAD-8DAB-71DD4B63BD33}" type="datetimeFigureOut">
               <a:rPr lang="he-IL" smtClean="0"/>
-              <a:t>כ"ח/חשון/תשפ"ב</a:t>
+              <a:t>י"ד/כסלו/תשפ"ב</a:t>
             </a:fld>
             <a:endParaRPr lang="he-IL"/>
           </a:p>
@@ -3354,7 +3354,7 @@
           <a:p>
             <a:fld id="{C822B1E8-8720-4CAD-8DAB-71DD4B63BD33}" type="datetimeFigureOut">
               <a:rPr lang="he-IL" smtClean="0"/>
-              <a:t>כ"ח/חשון/תשפ"ב</a:t>
+              <a:t>י"ד/כסלו/תשפ"ב</a:t>
             </a:fld>
             <a:endParaRPr lang="he-IL"/>
           </a:p>
@@ -4110,7 +4110,7 @@
             </a:pPr>
             <a:r>
               <a:rPr lang="he-IL" sz="2200" dirty="0"/>
-              <a:t>למדנו קצת על כללי עיצוב (</a:t>
+              <a:t>למדנו קצת על כללי העיצוב הגראפי (</a:t>
             </a:r>
             <a:r>
               <a:rPr lang="en-US" sz="2200" dirty="0"/>
@@ -4148,13 +4148,9 @@
             </a:r>
           </a:p>
           <a:p>
-            <a:pPr marL="285750" indent="-285750">
-              <a:buFontTx/>
-              <a:buChar char="-"/>
-            </a:pPr>
             <a:r>
               <a:rPr lang="he-IL" sz="2200" dirty="0"/>
-              <a:t>שונים ולעדכן אותם בהתאם.</a:t>
+              <a:t>    שונים ולעדכן אותם בהתאם.</a:t>
             </a:r>
           </a:p>
           <a:p>
@@ -4248,7 +4244,7 @@
         </p:blipFill>
         <p:spPr>
           <a:xfrm>
-            <a:off x="307909" y="2649895"/>
+            <a:off x="154000" y="2613681"/>
             <a:ext cx="3769567" cy="3769567"/>
           </a:xfrm>
           <a:prstGeom prst="rect">
@@ -4773,23 +4769,7 @@
                 <a:ea typeface="+mn-ea"/>
                 <a:cs typeface="+mn-cs"/>
               </a:rPr>
-              <a:t>פתחנו </a:t>
-            </a:r>
-            <a:r>
-              <a:rPr lang="he-IL" sz="2000" dirty="0" err="1">
-                <a:latin typeface="+mn-lt"/>
-                <a:ea typeface="+mn-ea"/>
-                <a:cs typeface="+mn-cs"/>
-              </a:rPr>
-              <a:t>פריקט</a:t>
-            </a:r>
-            <a:r>
-              <a:rPr lang="he-IL" sz="2000" dirty="0">
-                <a:latin typeface="+mn-lt"/>
-                <a:ea typeface="+mn-ea"/>
-                <a:cs typeface="+mn-cs"/>
-              </a:rPr>
-              <a:t> חדש ב-</a:t>
+              <a:t>פתחנו פרויקט חדש ב-</a:t>
             </a:r>
             <a:r>
               <a:rPr lang="en-US" sz="2000" dirty="0" err="1">
@@ -4910,8 +4890,8 @@
         </p:nvSpPr>
         <p:spPr>
           <a:xfrm>
-            <a:off x="3446106" y="3085938"/>
-            <a:ext cx="8145625" cy="3139321"/>
+            <a:off x="3304516" y="3085938"/>
+            <a:ext cx="8287216" cy="3139321"/>
           </a:xfrm>
           <a:prstGeom prst="rect">
             <a:avLst/>
@@ -5011,7 +4991,7 @@
           <a:p>
             <a:r>
               <a:rPr lang="he-IL" sz="2000" dirty="0"/>
-              <a:t>למדנו על העודה עם פונקציות </a:t>
+              <a:t>למדנו על עבודה עם פונקציות </a:t>
             </a:r>
             <a:r>
               <a:rPr lang="en-US" sz="2000" dirty="0"/>
@@ -5019,7 +4999,15 @@
             </a:r>
             <a:r>
               <a:rPr lang="he-IL" sz="2000" dirty="0"/>
-              <a:t> על שליחה וקבלה של נתונים דרך פרוטוקול</a:t>
+              <a:t> </a:t>
+            </a:r>
+            <a:r>
+              <a:rPr lang="en-US" sz="2000" dirty="0"/>
+              <a:t>,</a:t>
+            </a:r>
+            <a:r>
+              <a:rPr lang="he-IL" sz="2000" dirty="0"/>
+              <a:t>על שליחה וקבלה של נתונים דרך פרוטוקול</a:t>
             </a:r>
             <a:r>
               <a:rPr lang="en-US" sz="2000" dirty="0"/>
@@ -6295,15 +6283,7 @@
             </a:r>
             <a:r>
               <a:rPr lang="he-IL" sz="2000" dirty="0"/>
-              <a:t> , </a:t>
-            </a:r>
-            <a:r>
-              <a:rPr lang="he-IL" sz="2000" dirty="0" err="1"/>
-              <a:t>פרוייקט</a:t>
-            </a:r>
-            <a:r>
-              <a:rPr lang="he-IL" sz="2000" dirty="0"/>
-              <a:t> צדדי זה נכתב על ידינו ב</a:t>
+              <a:t> , פרויקט צדדי זה נכתב על ידינו ב</a:t>
             </a:r>
             <a:r>
               <a:rPr lang="en-US" sz="2000" dirty="0"/>
